--- a/Presentazione Ros Python.pptx
+++ b/Presentazione Ros Python.pptx
@@ -13,6 +13,8 @@
     <p:sldId id="261" r:id="rId7"/>
     <p:sldId id="262" r:id="rId8"/>
     <p:sldId id="263" r:id="rId9"/>
+    <p:sldId id="264" r:id="rId10"/>
+    <p:sldId id="265" r:id="rId11"/>
   </p:sldIdLst>
   <p:sldSz cx="12192000" cy="6858000"/>
   <p:notesSz cx="6858000" cy="9144000"/>
@@ -3440,6 +3442,310 @@
 </p:sld>
 </file>
 
+<file path=ppt/slides/slide10.xml><?xml version="1.0" encoding="utf-8"?>
+<p:sld xmlns:a="http://schemas.openxmlformats.org/drawingml/2006/main" xmlns:r="http://schemas.openxmlformats.org/officeDocument/2006/relationships" xmlns:p="http://schemas.openxmlformats.org/presentationml/2006/main">
+  <p:cSld>
+    <p:spTree>
+      <p:nvGrpSpPr>
+        <p:cNvPr id="1" name=""/>
+        <p:cNvGrpSpPr/>
+        <p:nvPr/>
+      </p:nvGrpSpPr>
+      <p:grpSpPr>
+        <a:xfrm>
+          <a:off x="0" y="0"/>
+          <a:ext cx="0" cy="0"/>
+          <a:chOff x="0" y="0"/>
+          <a:chExt cx="0" cy="0"/>
+        </a:xfrm>
+      </p:grpSpPr>
+      <p:sp>
+        <p:nvSpPr>
+          <p:cNvPr id="2" name="Titolo 1">
+            <a:extLst>
+              <a:ext uri="{FF2B5EF4-FFF2-40B4-BE49-F238E27FC236}">
+                <a16:creationId xmlns:a16="http://schemas.microsoft.com/office/drawing/2014/main" id="{9D850199-183B-45B8-BEA1-37499789490F}"/>
+              </a:ext>
+            </a:extLst>
+          </p:cNvPr>
+          <p:cNvSpPr>
+            <a:spLocks noGrp="1"/>
+          </p:cNvSpPr>
+          <p:nvPr>
+            <p:ph type="title"/>
+          </p:nvPr>
+        </p:nvSpPr>
+        <p:spPr/>
+        <p:txBody>
+          <a:bodyPr>
+            <a:normAutofit/>
+          </a:bodyPr>
+          <a:lstStyle/>
+          <a:p>
+            <a:pPr algn="ctr"/>
+            <a:r>
+              <a:rPr lang="it-IT" sz="8000" dirty="0">
+                <a:latin typeface="Aldhabi" panose="01000000000000000000" pitchFamily="2" charset="-78"/>
+                <a:cs typeface="Aldhabi" panose="01000000000000000000" pitchFamily="2" charset="-78"/>
+              </a:rPr>
+              <a:t>Conclusione</a:t>
+            </a:r>
+          </a:p>
+        </p:txBody>
+      </p:sp>
+      <p:sp>
+        <p:nvSpPr>
+          <p:cNvPr id="3" name="Segnaposto contenuto 2">
+            <a:extLst>
+              <a:ext uri="{FF2B5EF4-FFF2-40B4-BE49-F238E27FC236}">
+                <a16:creationId xmlns:a16="http://schemas.microsoft.com/office/drawing/2014/main" id="{1F599165-88CF-4A5C-BB4D-164A52DE6AA7}"/>
+              </a:ext>
+            </a:extLst>
+          </p:cNvPr>
+          <p:cNvSpPr>
+            <a:spLocks noGrp="1"/>
+          </p:cNvSpPr>
+          <p:nvPr>
+            <p:ph idx="1"/>
+          </p:nvPr>
+        </p:nvSpPr>
+        <p:spPr>
+          <a:xfrm>
+            <a:off x="838200" y="1825625"/>
+            <a:ext cx="10515600" cy="1325563"/>
+          </a:xfrm>
+        </p:spPr>
+        <p:txBody>
+          <a:bodyPr>
+            <a:normAutofit/>
+          </a:bodyPr>
+          <a:lstStyle/>
+          <a:p>
+            <a:pPr marL="0" indent="0">
+              <a:buNone/>
+            </a:pPr>
+            <a:r>
+              <a:rPr lang="it-IT" dirty="0">
+                <a:latin typeface="Bahnschrift Light" panose="020B0502040204020203" pitchFamily="34" charset="0"/>
+              </a:rPr>
+              <a:t>I valori numerici presenti nel codice, purtroppo non sono stati testati a causa di un </a:t>
+            </a:r>
+            <a:r>
+              <a:rPr lang="it-IT" dirty="0" err="1">
+                <a:latin typeface="Bahnschrift Light" panose="020B0502040204020203" pitchFamily="34" charset="0"/>
+              </a:rPr>
+              <a:t>disfunzionamento</a:t>
+            </a:r>
+            <a:r>
+              <a:rPr lang="it-IT" dirty="0">
+                <a:latin typeface="Bahnschrift Light" panose="020B0502040204020203" pitchFamily="34" charset="0"/>
+              </a:rPr>
+              <a:t> che non consente più l’accensione dei motori.</a:t>
+            </a:r>
+          </a:p>
+          <a:p>
+            <a:pPr marL="0" indent="0">
+              <a:buNone/>
+            </a:pPr>
+            <a:endParaRPr lang="it-IT" dirty="0">
+              <a:latin typeface="Bahnschrift Light" panose="020B0502040204020203" pitchFamily="34" charset="0"/>
+            </a:endParaRPr>
+          </a:p>
+          <a:p>
+            <a:pPr marL="0" indent="0" algn="ctr">
+              <a:buNone/>
+            </a:pPr>
+            <a:endParaRPr lang="it-IT" sz="3600" dirty="0">
+              <a:latin typeface="Bahnschrift Light" panose="020B0502040204020203" pitchFamily="34" charset="0"/>
+            </a:endParaRPr>
+          </a:p>
+        </p:txBody>
+      </p:sp>
+      <p:sp>
+        <p:nvSpPr>
+          <p:cNvPr id="4" name="CasellaDiTesto 3">
+            <a:extLst>
+              <a:ext uri="{FF2B5EF4-FFF2-40B4-BE49-F238E27FC236}">
+                <a16:creationId xmlns:a16="http://schemas.microsoft.com/office/drawing/2014/main" id="{9DD8FB34-35B8-4B4F-92FD-08263DE3362D}"/>
+              </a:ext>
+            </a:extLst>
+          </p:cNvPr>
+          <p:cNvSpPr txBox="1"/>
+          <p:nvPr/>
+        </p:nvSpPr>
+        <p:spPr>
+          <a:xfrm flipH="1">
+            <a:off x="3199227" y="4164037"/>
+            <a:ext cx="5793546" cy="984885"/>
+          </a:xfrm>
+          <a:prstGeom prst="rect">
+            <a:avLst/>
+          </a:prstGeom>
+          <a:noFill/>
+        </p:spPr>
+        <p:txBody>
+          <a:bodyPr wrap="square" rtlCol="0">
+            <a:spAutoFit/>
+          </a:bodyPr>
+          <a:lstStyle/>
+          <a:p>
+            <a:r>
+              <a:rPr lang="it-IT" sz="4000" dirty="0">
+                <a:latin typeface="Bahnschrift Light" panose="020B0502040204020203" pitchFamily="34" charset="0"/>
+              </a:rPr>
+              <a:t>È ora della simulazione!</a:t>
+            </a:r>
+          </a:p>
+          <a:p>
+            <a:endParaRPr lang="it-IT" dirty="0"/>
+          </a:p>
+        </p:txBody>
+      </p:sp>
+    </p:spTree>
+    <p:extLst>
+      <p:ext uri="{BB962C8B-B14F-4D97-AF65-F5344CB8AC3E}">
+        <p14:creationId xmlns:p14="http://schemas.microsoft.com/office/powerpoint/2010/main" val="1758639918"/>
+      </p:ext>
+    </p:extLst>
+  </p:cSld>
+  <p:clrMapOvr>
+    <a:masterClrMapping/>
+  </p:clrMapOvr>
+  <p:timing>
+    <p:tnLst>
+      <p:par>
+        <p:cTn id="1" dur="indefinite" restart="never" nodeType="tmRoot">
+          <p:childTnLst>
+            <p:seq concurrent="1" nextAc="seek">
+              <p:cTn id="2" dur="indefinite" nodeType="mainSeq">
+                <p:childTnLst>
+                  <p:par>
+                    <p:cTn id="3" fill="hold">
+                      <p:stCondLst>
+                        <p:cond delay="indefinite"/>
+                      </p:stCondLst>
+                      <p:childTnLst>
+                        <p:par>
+                          <p:cTn id="4" fill="hold">
+                            <p:stCondLst>
+                              <p:cond delay="0"/>
+                            </p:stCondLst>
+                            <p:childTnLst>
+                              <p:par>
+                                <p:cTn id="5" presetID="42" presetClass="entr" presetSubtype="0" fill="hold" grpId="0" nodeType="clickEffect">
+                                  <p:stCondLst>
+                                    <p:cond delay="0"/>
+                                  </p:stCondLst>
+                                  <p:childTnLst>
+                                    <p:set>
+                                      <p:cBhvr>
+                                        <p:cTn id="6" dur="1" fill="hold">
+                                          <p:stCondLst>
+                                            <p:cond delay="0"/>
+                                          </p:stCondLst>
+                                        </p:cTn>
+                                        <p:tgtEl>
+                                          <p:spTgt spid="4"/>
+                                        </p:tgtEl>
+                                        <p:attrNameLst>
+                                          <p:attrName>style.visibility</p:attrName>
+                                        </p:attrNameLst>
+                                      </p:cBhvr>
+                                      <p:to>
+                                        <p:strVal val="visible"/>
+                                      </p:to>
+                                    </p:set>
+                                    <p:animEffect transition="in" filter="fade">
+                                      <p:cBhvr>
+                                        <p:cTn id="7" dur="1000"/>
+                                        <p:tgtEl>
+                                          <p:spTgt spid="4"/>
+                                        </p:tgtEl>
+                                      </p:cBhvr>
+                                    </p:animEffect>
+                                    <p:anim calcmode="lin" valueType="num">
+                                      <p:cBhvr>
+                                        <p:cTn id="8" dur="1000" fill="hold"/>
+                                        <p:tgtEl>
+                                          <p:spTgt spid="4"/>
+                                        </p:tgtEl>
+                                        <p:attrNameLst>
+                                          <p:attrName>ppt_x</p:attrName>
+                                        </p:attrNameLst>
+                                      </p:cBhvr>
+                                      <p:tavLst>
+                                        <p:tav tm="0">
+                                          <p:val>
+                                            <p:strVal val="#ppt_x"/>
+                                          </p:val>
+                                        </p:tav>
+                                        <p:tav tm="100000">
+                                          <p:val>
+                                            <p:strVal val="#ppt_x"/>
+                                          </p:val>
+                                        </p:tav>
+                                      </p:tavLst>
+                                    </p:anim>
+                                    <p:anim calcmode="lin" valueType="num">
+                                      <p:cBhvr>
+                                        <p:cTn id="9" dur="1000" fill="hold"/>
+                                        <p:tgtEl>
+                                          <p:spTgt spid="4"/>
+                                        </p:tgtEl>
+                                        <p:attrNameLst>
+                                          <p:attrName>ppt_y</p:attrName>
+                                        </p:attrNameLst>
+                                      </p:cBhvr>
+                                      <p:tavLst>
+                                        <p:tav tm="0">
+                                          <p:val>
+                                            <p:strVal val="#ppt_y+.1"/>
+                                          </p:val>
+                                        </p:tav>
+                                        <p:tav tm="100000">
+                                          <p:val>
+                                            <p:strVal val="#ppt_y"/>
+                                          </p:val>
+                                        </p:tav>
+                                      </p:tavLst>
+                                    </p:anim>
+                                  </p:childTnLst>
+                                </p:cTn>
+                              </p:par>
+                            </p:childTnLst>
+                          </p:cTn>
+                        </p:par>
+                      </p:childTnLst>
+                    </p:cTn>
+                  </p:par>
+                </p:childTnLst>
+              </p:cTn>
+              <p:prevCondLst>
+                <p:cond evt="onPrev" delay="0">
+                  <p:tgtEl>
+                    <p:sldTgt/>
+                  </p:tgtEl>
+                </p:cond>
+              </p:prevCondLst>
+              <p:nextCondLst>
+                <p:cond evt="onNext" delay="0">
+                  <p:tgtEl>
+                    <p:sldTgt/>
+                  </p:tgtEl>
+                </p:cond>
+              </p:nextCondLst>
+            </p:seq>
+          </p:childTnLst>
+        </p:cTn>
+      </p:par>
+    </p:tnLst>
+    <p:bldLst>
+      <p:bldP spid="4" grpId="0"/>
+    </p:bldLst>
+  </p:timing>
+</p:sld>
+</file>
+
 <file path=ppt/slides/slide2.xml><?xml version="1.0" encoding="utf-8"?>
 <p:sld xmlns:a="http://schemas.openxmlformats.org/drawingml/2006/main" xmlns:r="http://schemas.openxmlformats.org/officeDocument/2006/relationships" xmlns:p="http://schemas.openxmlformats.org/presentationml/2006/main">
   <p:cSld>
@@ -4118,14 +4424,7 @@
                 <a:latin typeface="Bahnschrift Light" panose="020B0502040204020203" pitchFamily="34" charset="0"/>
                 <a:hlinkClick r:id="rId2"/>
               </a:rPr>
-              <a:t> </a:t>
-            </a:r>
-            <a:r>
-              <a:rPr lang="it-IT" dirty="0">
-                <a:latin typeface="Bahnschrift Light" panose="020B0502040204020203" pitchFamily="34" charset="0"/>
-                <a:hlinkClick r:id="rId2"/>
-              </a:rPr>
-              <a:t>http://wiki.ros.org/noetic/Installation/Ubuntu</a:t>
+              <a:t> http://wiki.ros.org/noetic/Installation/Ubuntu</a:t>
             </a:r>
             <a:endParaRPr lang="it-IT" dirty="0">
               <a:latin typeface="Bahnschrift Light" panose="020B0502040204020203" pitchFamily="34" charset="0"/>
@@ -5234,6 +5533,362 @@
     <p:extLst>
       <p:ext uri="{BB962C8B-B14F-4D97-AF65-F5344CB8AC3E}">
         <p14:creationId xmlns:p14="http://schemas.microsoft.com/office/powerpoint/2010/main" val="2599914218"/>
+      </p:ext>
+    </p:extLst>
+  </p:cSld>
+  <p:clrMapOvr>
+    <a:masterClrMapping/>
+  </p:clrMapOvr>
+</p:sld>
+</file>
+
+<file path=ppt/slides/slide9.xml><?xml version="1.0" encoding="utf-8"?>
+<p:sld xmlns:a="http://schemas.openxmlformats.org/drawingml/2006/main" xmlns:r="http://schemas.openxmlformats.org/officeDocument/2006/relationships" xmlns:p="http://schemas.openxmlformats.org/presentationml/2006/main">
+  <p:cSld>
+    <p:spTree>
+      <p:nvGrpSpPr>
+        <p:cNvPr id="1" name=""/>
+        <p:cNvGrpSpPr/>
+        <p:nvPr/>
+      </p:nvGrpSpPr>
+      <p:grpSpPr>
+        <a:xfrm>
+          <a:off x="0" y="0"/>
+          <a:ext cx="0" cy="0"/>
+          <a:chOff x="0" y="0"/>
+          <a:chExt cx="0" cy="0"/>
+        </a:xfrm>
+      </p:grpSpPr>
+      <p:sp>
+        <p:nvSpPr>
+          <p:cNvPr id="2" name="Titolo 1">
+            <a:extLst>
+              <a:ext uri="{FF2B5EF4-FFF2-40B4-BE49-F238E27FC236}">
+                <a16:creationId xmlns:a16="http://schemas.microsoft.com/office/drawing/2014/main" id="{089784AB-C9B4-47DF-AC6F-D61FA84D21A4}"/>
+              </a:ext>
+            </a:extLst>
+          </p:cNvPr>
+          <p:cNvSpPr>
+            <a:spLocks noGrp="1"/>
+          </p:cNvSpPr>
+          <p:nvPr>
+            <p:ph type="title"/>
+          </p:nvPr>
+        </p:nvSpPr>
+        <p:spPr/>
+        <p:txBody>
+          <a:bodyPr>
+            <a:normAutofit/>
+          </a:bodyPr>
+          <a:lstStyle/>
+          <a:p>
+            <a:pPr algn="ctr"/>
+            <a:r>
+              <a:rPr lang="it-IT" sz="8000" dirty="0">
+                <a:latin typeface="Aldhabi" panose="01000000000000000000" pitchFamily="2" charset="-78"/>
+                <a:cs typeface="Aldhabi" panose="01000000000000000000" pitchFamily="2" charset="-78"/>
+              </a:rPr>
+              <a:t>Avvio del programma</a:t>
+            </a:r>
+          </a:p>
+        </p:txBody>
+      </p:sp>
+      <p:sp>
+        <p:nvSpPr>
+          <p:cNvPr id="3" name="Segnaposto contenuto 2">
+            <a:extLst>
+              <a:ext uri="{FF2B5EF4-FFF2-40B4-BE49-F238E27FC236}">
+                <a16:creationId xmlns:a16="http://schemas.microsoft.com/office/drawing/2014/main" id="{9E9D56B6-B60E-474B-908C-B1AF5579E2CC}"/>
+              </a:ext>
+            </a:extLst>
+          </p:cNvPr>
+          <p:cNvSpPr>
+            <a:spLocks noGrp="1"/>
+          </p:cNvSpPr>
+          <p:nvPr>
+            <p:ph idx="1"/>
+          </p:nvPr>
+        </p:nvSpPr>
+        <p:spPr/>
+        <p:txBody>
+          <a:bodyPr>
+            <a:normAutofit lnSpcReduction="10000"/>
+          </a:bodyPr>
+          <a:lstStyle/>
+          <a:p>
+            <a:pPr marL="0" indent="0">
+              <a:buNone/>
+            </a:pPr>
+            <a:r>
+              <a:rPr lang="it-IT" dirty="0">
+                <a:latin typeface="Bahnschrift Light" panose="020B0502040204020203" pitchFamily="34" charset="0"/>
+              </a:rPr>
+              <a:t>Per poter lanciare il nostro programma, è necessario </a:t>
+            </a:r>
+          </a:p>
+          <a:p>
+            <a:r>
+              <a:rPr lang="it-IT" dirty="0">
+                <a:latin typeface="Bahnschrift Light" panose="020B0502040204020203" pitchFamily="34" charset="0"/>
+              </a:rPr>
+              <a:t>lanciare il cuore di </a:t>
+            </a:r>
+            <a:r>
+              <a:rPr lang="it-IT" b="1" dirty="0">
+                <a:latin typeface="Bahnschrift Light" panose="020B0502040204020203" pitchFamily="34" charset="0"/>
+              </a:rPr>
+              <a:t>ROS</a:t>
+            </a:r>
+            <a:r>
+              <a:rPr lang="it-IT" dirty="0">
+                <a:latin typeface="Bahnschrift Light" panose="020B0502040204020203" pitchFamily="34" charset="0"/>
+              </a:rPr>
+              <a:t> in un terminale con il comando: </a:t>
+            </a:r>
+            <a:r>
+              <a:rPr lang="it-IT" dirty="0" err="1">
+                <a:effectLst>
+                  <a:outerShdw blurRad="38100" dist="38100" dir="2700000" algn="tl">
+                    <a:srgbClr val="000000">
+                      <a:alpha val="43137"/>
+                    </a:srgbClr>
+                  </a:outerShdw>
+                </a:effectLst>
+                <a:latin typeface="Bahnschrift Light" panose="020B0502040204020203" pitchFamily="34" charset="0"/>
+              </a:rPr>
+              <a:t>roscore</a:t>
+            </a:r>
+            <a:endParaRPr lang="it-IT" dirty="0">
+              <a:effectLst>
+                <a:outerShdw blurRad="38100" dist="38100" dir="2700000" algn="tl">
+                  <a:srgbClr val="000000">
+                    <a:alpha val="43137"/>
+                  </a:srgbClr>
+                </a:outerShdw>
+              </a:effectLst>
+              <a:latin typeface="Bahnschrift Light" panose="020B0502040204020203" pitchFamily="34" charset="0"/>
+            </a:endParaRPr>
+          </a:p>
+          <a:p>
+            <a:r>
+              <a:rPr lang="it-IT" dirty="0">
+                <a:latin typeface="Bahnschrift Light" panose="020B0502040204020203" pitchFamily="34" charset="0"/>
+              </a:rPr>
+              <a:t>loggarsi come root in un altro terminale, entrare nella directory del </a:t>
+            </a:r>
+            <a:r>
+              <a:rPr lang="it-IT" b="1" dirty="0" err="1">
+                <a:latin typeface="Bahnschrift Light" panose="020B0502040204020203" pitchFamily="34" charset="0"/>
+              </a:rPr>
+              <a:t>catkin</a:t>
+            </a:r>
+            <a:r>
+              <a:rPr lang="it-IT" b="1" dirty="0">
+                <a:latin typeface="Bahnschrift Light" panose="020B0502040204020203" pitchFamily="34" charset="0"/>
+              </a:rPr>
+              <a:t> workspace </a:t>
+            </a:r>
+            <a:r>
+              <a:rPr lang="it-IT" dirty="0">
+                <a:latin typeface="Bahnschrift Light" panose="020B0502040204020203" pitchFamily="34" charset="0"/>
+              </a:rPr>
+              <a:t>e impostare la sorgente con il comando: </a:t>
+            </a:r>
+            <a:r>
+              <a:rPr lang="it-IT" dirty="0">
+                <a:effectLst>
+                  <a:outerShdw blurRad="38100" dist="38100" dir="2700000" algn="tl">
+                    <a:srgbClr val="000000">
+                      <a:alpha val="43137"/>
+                    </a:srgbClr>
+                  </a:outerShdw>
+                </a:effectLst>
+                <a:latin typeface="Bahnschrift Light" panose="020B0502040204020203" pitchFamily="34" charset="0"/>
+              </a:rPr>
+              <a:t>source ./</a:t>
+            </a:r>
+            <a:r>
+              <a:rPr lang="it-IT" dirty="0" err="1">
+                <a:effectLst>
+                  <a:outerShdw blurRad="38100" dist="38100" dir="2700000" algn="tl">
+                    <a:srgbClr val="000000">
+                      <a:alpha val="43137"/>
+                    </a:srgbClr>
+                  </a:outerShdw>
+                </a:effectLst>
+                <a:latin typeface="Bahnschrift Light" panose="020B0502040204020203" pitchFamily="34" charset="0"/>
+              </a:rPr>
+              <a:t>devel</a:t>
+            </a:r>
+            <a:r>
+              <a:rPr lang="it-IT" dirty="0">
+                <a:effectLst>
+                  <a:outerShdw blurRad="38100" dist="38100" dir="2700000" algn="tl">
+                    <a:srgbClr val="000000">
+                      <a:alpha val="43137"/>
+                    </a:srgbClr>
+                  </a:outerShdw>
+                </a:effectLst>
+                <a:latin typeface="Bahnschrift Light" panose="020B0502040204020203" pitchFamily="34" charset="0"/>
+              </a:rPr>
+              <a:t>/</a:t>
+            </a:r>
+            <a:r>
+              <a:rPr lang="it-IT" dirty="0" err="1">
+                <a:effectLst>
+                  <a:outerShdw blurRad="38100" dist="38100" dir="2700000" algn="tl">
+                    <a:srgbClr val="000000">
+                      <a:alpha val="43137"/>
+                    </a:srgbClr>
+                  </a:outerShdw>
+                </a:effectLst>
+                <a:latin typeface="Bahnschrift Light" panose="020B0502040204020203" pitchFamily="34" charset="0"/>
+              </a:rPr>
+              <a:t>setup.bash</a:t>
+            </a:r>
+            <a:endParaRPr lang="it-IT" b="1" dirty="0">
+              <a:latin typeface="Bahnschrift Light" panose="020B0502040204020203" pitchFamily="34" charset="0"/>
+            </a:endParaRPr>
+          </a:p>
+          <a:p>
+            <a:r>
+              <a:rPr lang="it-IT" dirty="0">
+                <a:latin typeface="Bahnschrift Light" panose="020B0502040204020203" pitchFamily="34" charset="0"/>
+              </a:rPr>
+              <a:t>eseguire il comando: </a:t>
+            </a:r>
+            <a:r>
+              <a:rPr lang="it-IT" dirty="0" err="1">
+                <a:effectLst>
+                  <a:outerShdw blurRad="38100" dist="38100" dir="2700000" algn="tl">
+                    <a:srgbClr val="000000">
+                      <a:alpha val="43137"/>
+                    </a:srgbClr>
+                  </a:outerShdw>
+                </a:effectLst>
+                <a:latin typeface="Bahnschrift Light" panose="020B0502040204020203" pitchFamily="34" charset="0"/>
+              </a:rPr>
+              <a:t>roslaunch</a:t>
+            </a:r>
+            <a:r>
+              <a:rPr lang="it-IT" dirty="0">
+                <a:effectLst>
+                  <a:outerShdw blurRad="38100" dist="38100" dir="2700000" algn="tl">
+                    <a:srgbClr val="000000">
+                      <a:alpha val="43137"/>
+                    </a:srgbClr>
+                  </a:outerShdw>
+                </a:effectLst>
+                <a:latin typeface="Bahnschrift Light" panose="020B0502040204020203" pitchFamily="34" charset="0"/>
+              </a:rPr>
+              <a:t> </a:t>
+            </a:r>
+            <a:r>
+              <a:rPr lang="it-IT" dirty="0" err="1">
+                <a:effectLst>
+                  <a:outerShdw blurRad="38100" dist="38100" dir="2700000" algn="tl">
+                    <a:srgbClr val="000000">
+                      <a:alpha val="43137"/>
+                    </a:srgbClr>
+                  </a:outerShdw>
+                </a:effectLst>
+                <a:latin typeface="Bahnschrift Light" panose="020B0502040204020203" pitchFamily="34" charset="0"/>
+              </a:rPr>
+              <a:t>myros</a:t>
+            </a:r>
+            <a:r>
+              <a:rPr lang="it-IT" dirty="0">
+                <a:effectLst>
+                  <a:outerShdw blurRad="38100" dist="38100" dir="2700000" algn="tl">
+                    <a:srgbClr val="000000">
+                      <a:alpha val="43137"/>
+                    </a:srgbClr>
+                  </a:outerShdw>
+                </a:effectLst>
+                <a:latin typeface="Bahnschrift Light" panose="020B0502040204020203" pitchFamily="34" charset="0"/>
+              </a:rPr>
+              <a:t> </a:t>
+            </a:r>
+            <a:r>
+              <a:rPr lang="it-IT" dirty="0" err="1">
+                <a:effectLst>
+                  <a:outerShdw blurRad="38100" dist="38100" dir="2700000" algn="tl">
+                    <a:srgbClr val="000000">
+                      <a:alpha val="43137"/>
+                    </a:srgbClr>
+                  </a:outerShdw>
+                </a:effectLst>
+                <a:latin typeface="Bahnschrift Light" panose="020B0502040204020203" pitchFamily="34" charset="0"/>
+              </a:rPr>
+              <a:t>project.launch</a:t>
+            </a:r>
+            <a:endParaRPr lang="it-IT" dirty="0">
+              <a:effectLst>
+                <a:outerShdw blurRad="38100" dist="38100" dir="2700000" algn="tl">
+                  <a:srgbClr val="000000">
+                    <a:alpha val="43137"/>
+                  </a:srgbClr>
+                </a:outerShdw>
+              </a:effectLst>
+              <a:latin typeface="Bahnschrift Light" panose="020B0502040204020203" pitchFamily="34" charset="0"/>
+            </a:endParaRPr>
+          </a:p>
+          <a:p>
+            <a:pPr marL="0" indent="0">
+              <a:buNone/>
+            </a:pPr>
+            <a:endParaRPr lang="it-IT" dirty="0">
+              <a:effectLst>
+                <a:outerShdw blurRad="38100" dist="38100" dir="2700000" algn="tl">
+                  <a:srgbClr val="000000">
+                    <a:alpha val="43137"/>
+                  </a:srgbClr>
+                </a:outerShdw>
+              </a:effectLst>
+              <a:latin typeface="Bahnschrift Light" panose="020B0502040204020203" pitchFamily="34" charset="0"/>
+            </a:endParaRPr>
+          </a:p>
+          <a:p>
+            <a:pPr marL="0" indent="0">
+              <a:buNone/>
+            </a:pPr>
+            <a:r>
+              <a:rPr lang="it-IT" dirty="0">
+                <a:latin typeface="Bahnschrift Light" panose="020B0502040204020203" pitchFamily="34" charset="0"/>
+              </a:rPr>
+              <a:t>Il file </a:t>
+            </a:r>
+            <a:r>
+              <a:rPr lang="it-IT" dirty="0" err="1">
+                <a:latin typeface="Bahnschrift Light" panose="020B0502040204020203" pitchFamily="34" charset="0"/>
+              </a:rPr>
+              <a:t>project.launch</a:t>
+            </a:r>
+            <a:r>
+              <a:rPr lang="it-IT" dirty="0">
+                <a:latin typeface="Bahnschrift Light" panose="020B0502040204020203" pitchFamily="34" charset="0"/>
+              </a:rPr>
+              <a:t> è un XML che </a:t>
+            </a:r>
+            <a:r>
+              <a:rPr lang="it-IT" b="1" dirty="0">
+                <a:latin typeface="Bahnschrift Light" panose="020B0502040204020203" pitchFamily="34" charset="0"/>
+              </a:rPr>
+              <a:t>ROS</a:t>
+            </a:r>
+            <a:r>
+              <a:rPr lang="it-IT" dirty="0">
+                <a:latin typeface="Bahnschrift Light" panose="020B0502040204020203" pitchFamily="34" charset="0"/>
+              </a:rPr>
+              <a:t> legge nel quale sono elencati in ordine i nodi che devono essere lanciati</a:t>
+            </a:r>
+          </a:p>
+        </p:txBody>
+      </p:sp>
+    </p:spTree>
+    <p:extLst>
+      <p:ext uri="{BB962C8B-B14F-4D97-AF65-F5344CB8AC3E}">
+        <p14:creationId xmlns:p14="http://schemas.microsoft.com/office/powerpoint/2010/main" val="2816128626"/>
       </p:ext>
     </p:extLst>
   </p:cSld>
